--- a/output/Slides.pptx
+++ b/output/Slides.pptx
@@ -5,7 +5,7 @@
     <p:sldMasterId id="2147483648" r:id="rId1"/>
   </p:sldMasterIdLst>
   <p:notesMasterIdLst>
-    <p:notesMasterId r:id="rId24"/>
+    <p:notesMasterId r:id="rId25"/>
   </p:notesMasterIdLst>
   <p:sldIdLst>
     <p:sldId id="256" r:id="rId2"/>
@@ -30,6 +30,7 @@
     <p:sldId id="268" r:id="rId21"/>
     <p:sldId id="265" r:id="rId22"/>
     <p:sldId id="278" r:id="rId23"/>
+    <p:sldId id="280" r:id="rId24"/>
   </p:sldIdLst>
   <p:sldSz cx="12192000" cy="6858000"/>
   <p:notesSz cx="6858000" cy="9144000"/>
@@ -5561,7 +5562,154 @@
                 <a:ea typeface="Times" charset="0"/>
                 <a:cs typeface="Times" charset="0"/>
               </a:rPr>
-              <a:t> safe regions</a:t>
+              <a:t> safe regions </a:t>
+            </a:r>
+            <a:r>
+              <a:rPr lang="nb-NO" dirty="0" err="1" smtClean="0">
+                <a:latin typeface="Times" charset="0"/>
+                <a:ea typeface="Times" charset="0"/>
+                <a:cs typeface="Times" charset="0"/>
+              </a:rPr>
+              <a:t>using</a:t>
+            </a:r>
+            <a:r>
+              <a:rPr lang="nb-NO" dirty="0" smtClean="0">
+                <a:latin typeface="Times" charset="0"/>
+                <a:ea typeface="Times" charset="0"/>
+                <a:cs typeface="Times" charset="0"/>
+              </a:rPr>
+              <a:t> RRT*</a:t>
+            </a:r>
+          </a:p>
+          <a:p>
+            <a:pPr marL="514350" marR="0" lvl="0" indent="-514350" defTabSz="914400" eaLnBrk="1" fontAlgn="auto" latinLnBrk="0" hangingPunct="1">
+              <a:lnSpc>
+                <a:spcPct val="100000"/>
+              </a:lnSpc>
+              <a:spcBef>
+                <a:spcPts val="0"/>
+              </a:spcBef>
+              <a:spcAft>
+                <a:spcPts val="0"/>
+              </a:spcAft>
+              <a:buClrTx/>
+              <a:buSzTx/>
+              <a:buFont typeface="+mj-lt"/>
+              <a:buAutoNum type="arabicPeriod"/>
+              <a:tabLst/>
+              <a:defRPr/>
+            </a:pPr>
+            <a:r>
+              <a:rPr lang="nb-NO" dirty="0" smtClean="0">
+                <a:latin typeface="Times" charset="0"/>
+                <a:ea typeface="Times" charset="0"/>
+                <a:cs typeface="Times" charset="0"/>
+              </a:rPr>
+              <a:t>Time-</a:t>
+            </a:r>
+            <a:r>
+              <a:rPr lang="nb-NO" dirty="0" err="1" smtClean="0">
+                <a:latin typeface="Times" charset="0"/>
+                <a:ea typeface="Times" charset="0"/>
+                <a:cs typeface="Times" charset="0"/>
+              </a:rPr>
+              <a:t>scaling</a:t>
+            </a:r>
+            <a:r>
+              <a:rPr lang="nb-NO" dirty="0" smtClean="0">
+                <a:latin typeface="Times" charset="0"/>
+                <a:ea typeface="Times" charset="0"/>
+                <a:cs typeface="Times" charset="0"/>
+              </a:rPr>
+              <a:t> </a:t>
+            </a:r>
+            <a:r>
+              <a:rPr lang="nb-NO" dirty="0" err="1" smtClean="0">
+                <a:latin typeface="Times" charset="0"/>
+                <a:ea typeface="Times" charset="0"/>
+                <a:cs typeface="Times" charset="0"/>
+              </a:rPr>
+              <a:t>of</a:t>
+            </a:r>
+            <a:r>
+              <a:rPr lang="nb-NO" dirty="0" smtClean="0">
+                <a:latin typeface="Times" charset="0"/>
+                <a:ea typeface="Times" charset="0"/>
+                <a:cs typeface="Times" charset="0"/>
+              </a:rPr>
+              <a:t> </a:t>
+            </a:r>
+            <a:r>
+              <a:rPr lang="nb-NO" dirty="0" err="1" smtClean="0">
+                <a:latin typeface="Times" charset="0"/>
+                <a:ea typeface="Times" charset="0"/>
+                <a:cs typeface="Times" charset="0"/>
+              </a:rPr>
+              <a:t>the</a:t>
+            </a:r>
+            <a:r>
+              <a:rPr lang="nb-NO" dirty="0" smtClean="0">
+                <a:latin typeface="Times" charset="0"/>
+                <a:ea typeface="Times" charset="0"/>
+                <a:cs typeface="Times" charset="0"/>
+              </a:rPr>
+              <a:t> </a:t>
+            </a:r>
+            <a:r>
+              <a:rPr lang="nb-NO" dirty="0" err="1" smtClean="0">
+                <a:latin typeface="Times" charset="0"/>
+                <a:ea typeface="Times" charset="0"/>
+                <a:cs typeface="Times" charset="0"/>
+              </a:rPr>
+              <a:t>trajectories</a:t>
+            </a:r>
+            <a:endParaRPr lang="nb-NO" dirty="0" smtClean="0">
+              <a:latin typeface="Times" charset="0"/>
+              <a:ea typeface="Times" charset="0"/>
+              <a:cs typeface="Times" charset="0"/>
+            </a:endParaRPr>
+          </a:p>
+          <a:p>
+            <a:pPr marL="514350" marR="0" lvl="0" indent="-514350" defTabSz="914400" eaLnBrk="1" fontAlgn="auto" latinLnBrk="0" hangingPunct="1">
+              <a:lnSpc>
+                <a:spcPct val="100000"/>
+              </a:lnSpc>
+              <a:spcBef>
+                <a:spcPts val="0"/>
+              </a:spcBef>
+              <a:spcAft>
+                <a:spcPts val="0"/>
+              </a:spcAft>
+              <a:buClrTx/>
+              <a:buSzTx/>
+              <a:buFont typeface="+mj-lt"/>
+              <a:buAutoNum type="arabicPeriod"/>
+              <a:tabLst/>
+              <a:defRPr/>
+            </a:pPr>
+            <a:r>
+              <a:rPr lang="nb-NO" dirty="0" err="1">
+                <a:latin typeface="Times" charset="0"/>
+                <a:ea typeface="Times" charset="0"/>
+                <a:cs typeface="Times" charset="0"/>
+              </a:rPr>
+              <a:t>A</a:t>
+            </a:r>
+            <a:r>
+              <a:rPr lang="nb-NO" dirty="0" err="1" smtClean="0">
+                <a:latin typeface="Times" charset="0"/>
+                <a:ea typeface="Times" charset="0"/>
+                <a:cs typeface="Times" charset="0"/>
+              </a:rPr>
+              <a:t>ctuator</a:t>
+            </a:r>
+            <a:r>
+              <a:rPr lang="nb-NO" dirty="0" smtClean="0">
+                <a:latin typeface="Times" charset="0"/>
+                <a:ea typeface="Times" charset="0"/>
+                <a:cs typeface="Times" charset="0"/>
+              </a:rPr>
+              <a:t> limits</a:t>
             </a:r>
           </a:p>
           <a:p>
@@ -5600,6 +5748,309 @@
   <p:clrMapOvr>
     <a:masterClrMapping/>
   </p:clrMapOvr>
+  <p:timing>
+    <p:tnLst>
+      <p:par>
+        <p:cTn id="1" dur="indefinite" restart="never" nodeType="tmRoot"/>
+      </p:par>
+    </p:tnLst>
+  </p:timing>
+</p:sld>
+</file>
+
+<file path=ppt/slides/slide23.xml><?xml version="1.0" encoding="utf-8"?>
+<p:sld xmlns:a="http://schemas.openxmlformats.org/drawingml/2006/main" xmlns:r="http://schemas.openxmlformats.org/officeDocument/2006/relationships" xmlns:p="http://schemas.openxmlformats.org/presentationml/2006/main">
+  <p:cSld>
+    <p:spTree>
+      <p:nvGrpSpPr>
+        <p:cNvPr id="1" name=""/>
+        <p:cNvGrpSpPr/>
+        <p:nvPr/>
+      </p:nvGrpSpPr>
+      <p:grpSpPr>
+        <a:xfrm>
+          <a:off x="0" y="0"/>
+          <a:ext cx="0" cy="0"/>
+          <a:chOff x="0" y="0"/>
+          <a:chExt cx="0" cy="0"/>
+        </a:xfrm>
+      </p:grpSpPr>
+      <p:sp>
+        <p:nvSpPr>
+          <p:cNvPr id="2" name="Title 1"/>
+          <p:cNvSpPr>
+            <a:spLocks noGrp="1"/>
+          </p:cNvSpPr>
+          <p:nvPr>
+            <p:ph type="title"/>
+          </p:nvPr>
+        </p:nvSpPr>
+        <p:spPr>
+          <a:xfrm>
+            <a:off x="838200" y="2204199"/>
+            <a:ext cx="10515600" cy="1325563"/>
+          </a:xfrm>
+        </p:spPr>
+        <p:txBody>
+          <a:bodyPr/>
+          <a:lstStyle/>
+          <a:p>
+            <a:pPr algn="ctr"/>
+            <a:r>
+              <a:rPr lang="nb-NO" dirty="0" err="1" smtClean="0">
+                <a:latin typeface="Times" charset="0"/>
+                <a:ea typeface="Times" charset="0"/>
+                <a:cs typeface="Times" charset="0"/>
+              </a:rPr>
+              <a:t>Thanks</a:t>
+            </a:r>
+            <a:r>
+              <a:rPr lang="nb-NO" dirty="0" smtClean="0">
+                <a:latin typeface="Times" charset="0"/>
+                <a:ea typeface="Times" charset="0"/>
+                <a:cs typeface="Times" charset="0"/>
+              </a:rPr>
+              <a:t> for </a:t>
+            </a:r>
+            <a:r>
+              <a:rPr lang="nb-NO" dirty="0" err="1" smtClean="0">
+                <a:latin typeface="Times" charset="0"/>
+                <a:ea typeface="Times" charset="0"/>
+                <a:cs typeface="Times" charset="0"/>
+              </a:rPr>
+              <a:t>watching</a:t>
+            </a:r>
+            <a:r>
+              <a:rPr lang="nb-NO" dirty="0" smtClean="0">
+                <a:latin typeface="Times" charset="0"/>
+                <a:ea typeface="Times" charset="0"/>
+                <a:cs typeface="Times" charset="0"/>
+              </a:rPr>
+              <a:t>!</a:t>
+            </a:r>
+            <a:endParaRPr lang="nb-NO" dirty="0">
+              <a:latin typeface="Times" charset="0"/>
+              <a:ea typeface="Times" charset="0"/>
+              <a:cs typeface="Times" charset="0"/>
+            </a:endParaRPr>
+          </a:p>
+        </p:txBody>
+      </p:sp>
+      <p:sp>
+        <p:nvSpPr>
+          <p:cNvPr id="3" name="Content Placeholder 2"/>
+          <p:cNvSpPr>
+            <a:spLocks noGrp="1"/>
+          </p:cNvSpPr>
+          <p:nvPr>
+            <p:ph idx="1"/>
+          </p:nvPr>
+        </p:nvSpPr>
+        <p:spPr>
+          <a:xfrm>
+            <a:off x="838200" y="3664699"/>
+            <a:ext cx="10515600" cy="4351338"/>
+          </a:xfrm>
+        </p:spPr>
+        <p:txBody>
+          <a:bodyPr>
+            <a:normAutofit/>
+          </a:bodyPr>
+          <a:lstStyle/>
+          <a:p>
+            <a:pPr marL="0" marR="0" lvl="0" indent="0" algn="ctr" defTabSz="914400" eaLnBrk="1" fontAlgn="auto" latinLnBrk="0" hangingPunct="1">
+              <a:lnSpc>
+                <a:spcPct val="100000"/>
+              </a:lnSpc>
+              <a:spcBef>
+                <a:spcPts val="0"/>
+              </a:spcBef>
+              <a:spcAft>
+                <a:spcPts val="0"/>
+              </a:spcAft>
+              <a:buClrTx/>
+              <a:buSzTx/>
+              <a:buNone/>
+              <a:tabLst/>
+              <a:defRPr/>
+            </a:pPr>
+            <a:r>
+              <a:rPr lang="nb-NO" sz="2000" dirty="0" smtClean="0">
+                <a:latin typeface="Times" charset="0"/>
+                <a:ea typeface="Times" charset="0"/>
+                <a:cs typeface="Times" charset="0"/>
+              </a:rPr>
+              <a:t>For </a:t>
+            </a:r>
+            <a:r>
+              <a:rPr lang="nb-NO" sz="2000" dirty="0" err="1" smtClean="0">
+                <a:latin typeface="Times" charset="0"/>
+                <a:ea typeface="Times" charset="0"/>
+                <a:cs typeface="Times" charset="0"/>
+              </a:rPr>
+              <a:t>the</a:t>
+            </a:r>
+            <a:r>
+              <a:rPr lang="nb-NO" sz="2000" dirty="0" smtClean="0">
+                <a:latin typeface="Times" charset="0"/>
+                <a:ea typeface="Times" charset="0"/>
+                <a:cs typeface="Times" charset="0"/>
+              </a:rPr>
+              <a:t> full </a:t>
+            </a:r>
+            <a:r>
+              <a:rPr lang="nb-NO" sz="2000" dirty="0" err="1" smtClean="0">
+                <a:latin typeface="Times" charset="0"/>
+                <a:ea typeface="Times" charset="0"/>
+                <a:cs typeface="Times" charset="0"/>
+              </a:rPr>
+              <a:t>paper</a:t>
+            </a:r>
+            <a:r>
+              <a:rPr lang="nb-NO" sz="2000" dirty="0" smtClean="0">
+                <a:latin typeface="Times" charset="0"/>
+                <a:ea typeface="Times" charset="0"/>
+                <a:cs typeface="Times" charset="0"/>
+              </a:rPr>
+              <a:t>, </a:t>
+            </a:r>
+            <a:r>
+              <a:rPr lang="nb-NO" sz="2000" dirty="0" err="1" smtClean="0">
+                <a:latin typeface="Times" charset="0"/>
+                <a:ea typeface="Times" charset="0"/>
+                <a:cs typeface="Times" charset="0"/>
+              </a:rPr>
+              <a:t>source</a:t>
+            </a:r>
+            <a:r>
+              <a:rPr lang="nb-NO" sz="2000" dirty="0" smtClean="0">
+                <a:latin typeface="Times" charset="0"/>
+                <a:ea typeface="Times" charset="0"/>
+                <a:cs typeface="Times" charset="0"/>
+              </a:rPr>
+              <a:t> </a:t>
+            </a:r>
+            <a:r>
+              <a:rPr lang="nb-NO" sz="2000" dirty="0" err="1" smtClean="0">
+                <a:latin typeface="Times" charset="0"/>
+                <a:ea typeface="Times" charset="0"/>
+                <a:cs typeface="Times" charset="0"/>
+              </a:rPr>
+              <a:t>code</a:t>
+            </a:r>
+            <a:r>
+              <a:rPr lang="nb-NO" sz="2000" dirty="0" smtClean="0">
+                <a:latin typeface="Times" charset="0"/>
+                <a:ea typeface="Times" charset="0"/>
+                <a:cs typeface="Times" charset="0"/>
+              </a:rPr>
+              <a:t> and </a:t>
+            </a:r>
+            <a:r>
+              <a:rPr lang="nb-NO" sz="2000" dirty="0" err="1" smtClean="0">
+                <a:latin typeface="Times" charset="0"/>
+                <a:ea typeface="Times" charset="0"/>
+                <a:cs typeface="Times" charset="0"/>
+              </a:rPr>
+              <a:t>reference</a:t>
+            </a:r>
+            <a:r>
+              <a:rPr lang="nb-NO" sz="2000" dirty="0" smtClean="0">
+                <a:latin typeface="Times" charset="0"/>
+                <a:ea typeface="Times" charset="0"/>
+                <a:cs typeface="Times" charset="0"/>
+              </a:rPr>
+              <a:t> list, </a:t>
+            </a:r>
+            <a:r>
+              <a:rPr lang="nb-NO" sz="2000" dirty="0" err="1" smtClean="0">
+                <a:latin typeface="Times" charset="0"/>
+                <a:ea typeface="Times" charset="0"/>
+                <a:cs typeface="Times" charset="0"/>
+              </a:rPr>
+              <a:t>please</a:t>
+            </a:r>
+            <a:r>
+              <a:rPr lang="nb-NO" sz="2000" dirty="0" smtClean="0">
+                <a:latin typeface="Times" charset="0"/>
+                <a:ea typeface="Times" charset="0"/>
+                <a:cs typeface="Times" charset="0"/>
+              </a:rPr>
+              <a:t> </a:t>
+            </a:r>
+            <a:r>
+              <a:rPr lang="nb-NO" sz="2000" dirty="0" err="1" smtClean="0">
+                <a:latin typeface="Times" charset="0"/>
+                <a:ea typeface="Times" charset="0"/>
+                <a:cs typeface="Times" charset="0"/>
+              </a:rPr>
+              <a:t>see</a:t>
+            </a:r>
+            <a:r>
+              <a:rPr lang="nb-NO" sz="2000" dirty="0" smtClean="0">
+                <a:latin typeface="Times" charset="0"/>
+                <a:ea typeface="Times" charset="0"/>
+                <a:cs typeface="Times" charset="0"/>
+              </a:rPr>
+              <a:t> </a:t>
+            </a:r>
+            <a:r>
+              <a:rPr lang="nb-NO" sz="2000" dirty="0" err="1" smtClean="0">
+                <a:latin typeface="Times" charset="0"/>
+                <a:ea typeface="Times" charset="0"/>
+                <a:cs typeface="Times" charset="0"/>
+              </a:rPr>
+              <a:t>the</a:t>
+            </a:r>
+            <a:r>
+              <a:rPr lang="nb-NO" sz="2000" dirty="0" smtClean="0">
+                <a:latin typeface="Times" charset="0"/>
+                <a:ea typeface="Times" charset="0"/>
+                <a:cs typeface="Times" charset="0"/>
+              </a:rPr>
+              <a:t> </a:t>
+            </a:r>
+            <a:r>
+              <a:rPr lang="nb-NO" sz="2000" dirty="0" err="1" smtClean="0">
+                <a:latin typeface="Times" charset="0"/>
+                <a:ea typeface="Times" charset="0"/>
+                <a:cs typeface="Times" charset="0"/>
+              </a:rPr>
+              <a:t>description</a:t>
+            </a:r>
+            <a:r>
+              <a:rPr lang="nb-NO" sz="2000" dirty="0" smtClean="0">
+                <a:latin typeface="Times" charset="0"/>
+                <a:ea typeface="Times" charset="0"/>
+                <a:cs typeface="Times" charset="0"/>
+              </a:rPr>
+              <a:t>.</a:t>
+            </a:r>
+            <a:endParaRPr lang="nb-NO" sz="2000" dirty="0">
+              <a:latin typeface="Times" charset="0"/>
+              <a:ea typeface="Times" charset="0"/>
+              <a:cs typeface="Times" charset="0"/>
+            </a:endParaRPr>
+          </a:p>
+        </p:txBody>
+      </p:sp>
+    </p:spTree>
+    <p:extLst>
+      <p:ext uri="{BB962C8B-B14F-4D97-AF65-F5344CB8AC3E}">
+        <p14:creationId xmlns:p14="http://schemas.microsoft.com/office/powerpoint/2010/main" val="568858147"/>
+      </p:ext>
+    </p:extLst>
+  </p:cSld>
+  <p:clrMapOvr>
+    <a:masterClrMapping/>
+  </p:clrMapOvr>
+  <p:timing>
+    <p:tnLst>
+      <p:par>
+        <p:cTn id="1" dur="indefinite" restart="never" nodeType="tmRoot"/>
+      </p:par>
+    </p:tnLst>
+  </p:timing>
 </p:sld>
 </file>
 
